--- a/cacna2023-poster-fa.pptx
+++ b/cacna2023-poster-fa.pptx
@@ -6698,14 +6698,14 @@
               <a:defRPr/>
             </a:pPr>
             <a:r>
-              <a:rPr lang="fa-IR" sz="2339" b="1" dirty="0">
+              <a:rPr lang="fa-IR" sz="2339" b="1" dirty="0" err="1">
                 <a:solidFill>
                   <a:schemeClr val="bg1"/>
                 </a:solidFill>
                 <a:latin typeface="Libre Baskerville" panose="02000000000000000000" pitchFamily="2" charset="0"/>
                 <a:cs typeface="B Nazanin" panose="00000400000000000000" pitchFamily="2" charset="-78"/>
               </a:rPr>
-              <a:t>روش ها</a:t>
+              <a:t>روش‌ها</a:t>
             </a:r>
             <a:endParaRPr lang="en-US" sz="2339" b="1" dirty="0">
               <a:solidFill>
@@ -8395,14 +8395,14 @@
               <a:defRPr/>
             </a:pPr>
             <a:r>
-              <a:rPr lang="fa-IR" sz="2339" b="1" dirty="0">
+              <a:rPr lang="fa-IR" sz="2339" b="1">
                 <a:solidFill>
                   <a:schemeClr val="bg1"/>
                 </a:solidFill>
                 <a:latin typeface="Libre Baskerville" panose="02000000000000000000" pitchFamily="2" charset="0"/>
                 <a:cs typeface="B Nazanin" panose="00000400000000000000" pitchFamily="2" charset="-78"/>
               </a:rPr>
-              <a:t>بحث</a:t>
+              <a:t>نتیجه گیری</a:t>
             </a:r>
             <a:endParaRPr lang="en-US" sz="2339" b="1" dirty="0">
               <a:solidFill>
